--- a/lesson06.pptx
+++ b/lesson06.pptx
@@ -652,7 +652,7 @@
             <a:fld id="{85522811-C5C6-42D2-A409-F8556720C93F}" type="datetimeFigureOut">
               <a:rPr lang="uk-UA" smtClean="0"/>
               <a:pPr/>
-              <a:t>18.06.2022</a:t>
+              <a:t>21.06.2022</a:t>
             </a:fld>
             <a:endParaRPr lang="uk-UA"/>
           </a:p>
@@ -1282,7 +1282,7 @@
             <a:fld id="{E6FC6B0D-6115-4D7C-8040-9C8E2349BB6E}" type="datetime1">
               <a:rPr lang="uk-UA" smtClean="0"/>
               <a:pPr/>
-              <a:t>18.06.2022</a:t>
+              <a:t>21.06.2022</a:t>
             </a:fld>
             <a:endParaRPr lang="uk-UA"/>
           </a:p>
@@ -1449,7 +1449,7 @@
             <a:fld id="{996367BA-0A39-4DE2-BFC3-D5290044365E}" type="datetime1">
               <a:rPr lang="uk-UA" smtClean="0"/>
               <a:pPr/>
-              <a:t>18.06.2022</a:t>
+              <a:t>21.06.2022</a:t>
             </a:fld>
             <a:endParaRPr lang="uk-UA"/>
           </a:p>
@@ -1626,7 +1626,7 @@
             <a:fld id="{1BD6A67F-6C29-47DC-AF8A-FDB3C787DF70}" type="datetime1">
               <a:rPr lang="uk-UA" smtClean="0"/>
               <a:pPr/>
-              <a:t>18.06.2022</a:t>
+              <a:t>21.06.2022</a:t>
             </a:fld>
             <a:endParaRPr lang="uk-UA"/>
           </a:p>
@@ -1793,7 +1793,7 @@
             <a:fld id="{1657D9C5-7FF1-434F-B56E-9BAD559744E9}" type="datetime1">
               <a:rPr lang="uk-UA" smtClean="0"/>
               <a:pPr/>
-              <a:t>18.06.2022</a:t>
+              <a:t>21.06.2022</a:t>
             </a:fld>
             <a:endParaRPr lang="uk-UA"/>
           </a:p>
@@ -2036,7 +2036,7 @@
             <a:fld id="{2CEB0FC9-DE63-476B-A1A9-BE934D9049F8}" type="datetime1">
               <a:rPr lang="uk-UA" smtClean="0"/>
               <a:pPr/>
-              <a:t>18.06.2022</a:t>
+              <a:t>21.06.2022</a:t>
             </a:fld>
             <a:endParaRPr lang="uk-UA"/>
           </a:p>
@@ -2321,7 +2321,7 @@
             <a:fld id="{F964460F-86E2-4DF6-9D0F-12F5005CF375}" type="datetime1">
               <a:rPr lang="uk-UA" smtClean="0"/>
               <a:pPr/>
-              <a:t>18.06.2022</a:t>
+              <a:t>21.06.2022</a:t>
             </a:fld>
             <a:endParaRPr lang="uk-UA"/>
           </a:p>
@@ -2740,7 +2740,7 @@
             <a:fld id="{C521715E-DDCD-4267-B0A5-2918B6F6768A}" type="datetime1">
               <a:rPr lang="uk-UA" smtClean="0"/>
               <a:pPr/>
-              <a:t>18.06.2022</a:t>
+              <a:t>21.06.2022</a:t>
             </a:fld>
             <a:endParaRPr lang="uk-UA"/>
           </a:p>
@@ -2855,7 +2855,7 @@
             <a:fld id="{9289842C-EB2D-4EBB-A272-2F6A49D9794D}" type="datetime1">
               <a:rPr lang="uk-UA" smtClean="0"/>
               <a:pPr/>
-              <a:t>18.06.2022</a:t>
+              <a:t>21.06.2022</a:t>
             </a:fld>
             <a:endParaRPr lang="uk-UA"/>
           </a:p>
@@ -2947,7 +2947,7 @@
             <a:fld id="{D036F091-B700-4B52-99AC-85D0FD94D904}" type="datetime1">
               <a:rPr lang="uk-UA" smtClean="0"/>
               <a:pPr/>
-              <a:t>18.06.2022</a:t>
+              <a:t>21.06.2022</a:t>
             </a:fld>
             <a:endParaRPr lang="uk-UA"/>
           </a:p>
@@ -3221,7 +3221,7 @@
             <a:fld id="{B35DFABA-3811-4634-B803-2EAC4CD0063B}" type="datetime1">
               <a:rPr lang="uk-UA" smtClean="0"/>
               <a:pPr/>
-              <a:t>18.06.2022</a:t>
+              <a:t>21.06.2022</a:t>
             </a:fld>
             <a:endParaRPr lang="uk-UA"/>
           </a:p>
@@ -3471,7 +3471,7 @@
             <a:fld id="{8A9EA25E-F88E-463A-A119-D1E55A881002}" type="datetime1">
               <a:rPr lang="uk-UA" smtClean="0"/>
               <a:pPr/>
-              <a:t>18.06.2022</a:t>
+              <a:t>21.06.2022</a:t>
             </a:fld>
             <a:endParaRPr lang="uk-UA"/>
           </a:p>
@@ -3681,7 +3681,7 @@
             <a:fld id="{E708ED03-0080-49A2-B709-7DA4ACB3A1C3}" type="datetime1">
               <a:rPr lang="uk-UA" smtClean="0"/>
               <a:pPr/>
-              <a:t>18.06.2022</a:t>
+              <a:t>21.06.2022</a:t>
             </a:fld>
             <a:endParaRPr lang="uk-UA"/>
           </a:p>
@@ -7680,7 +7680,7 @@
         </p:nvSpPr>
         <p:spPr>
           <a:xfrm>
-            <a:off x="2174745" y="4479373"/>
+            <a:off x="2174745" y="4654877"/>
             <a:ext cx="7920880" cy="646331"/>
           </a:xfrm>
           <a:prstGeom prst="rect">
@@ -7710,7 +7710,7 @@
         </p:nvSpPr>
         <p:spPr>
           <a:xfrm>
-            <a:off x="2423593" y="5805264"/>
+            <a:off x="2423593" y="5589240"/>
             <a:ext cx="7776864" cy="584775"/>
           </a:xfrm>
           <a:prstGeom prst="rect">
@@ -7736,38 +7736,6 @@
               <a:rPr lang="ru-RU" sz="1600" dirty="0"/>
               <a:t>записанная после какого-либо из стилевых правил делает его наиболее приоритетным из всех, независимо от того какой селектор применяется.</a:t>
             </a:r>
-          </a:p>
-        </p:txBody>
-      </p:sp>
-      <p:sp>
-        <p:nvSpPr>
-          <p:cNvPr id="2" name="Прямоугольник 1"/>
-          <p:cNvSpPr/>
-          <p:nvPr/>
-        </p:nvSpPr>
-        <p:spPr>
-          <a:xfrm>
-            <a:off x="0" y="5291916"/>
-            <a:ext cx="12192000" cy="369332"/>
-          </a:xfrm>
-          <a:prstGeom prst="rect">
-            <a:avLst/>
-          </a:prstGeom>
-        </p:spPr>
-        <p:txBody>
-          <a:bodyPr wrap="square">
-            <a:spAutoFit/>
-          </a:bodyPr>
-          <a:lstStyle/>
-          <a:p>
-            <a:pPr algn="ctr"/>
-            <a:r>
-              <a:rPr lang="ru-RU" b="1" dirty="0">
-                <a:hlinkClick r:id="rId2"/>
-              </a:rPr>
-              <a:t>https://css-live.ru/css/nikto-ne-znaet-css-specifichnost-ne-kaskad.html</a:t>
-            </a:r>
-            <a:endParaRPr lang="ru-RU" b="1" dirty="0"/>
           </a:p>
         </p:txBody>
       </p:sp>
@@ -8342,38 +8310,6 @@
           </a:p>
         </p:txBody>
       </p:sp>
-      <p:sp>
-        <p:nvSpPr>
-          <p:cNvPr id="10" name="Прямоугольник 9"/>
-          <p:cNvSpPr/>
-          <p:nvPr/>
-        </p:nvSpPr>
-        <p:spPr>
-          <a:xfrm>
-            <a:off x="0" y="5607565"/>
-            <a:ext cx="12192000" cy="523220"/>
-          </a:xfrm>
-          <a:prstGeom prst="rect">
-            <a:avLst/>
-          </a:prstGeom>
-        </p:spPr>
-        <p:txBody>
-          <a:bodyPr wrap="square">
-            <a:spAutoFit/>
-          </a:bodyPr>
-          <a:lstStyle/>
-          <a:p>
-            <a:pPr algn="ctr"/>
-            <a:r>
-              <a:rPr lang="en-US" sz="2800" b="1" dirty="0">
-                <a:hlinkClick r:id="rId2"/>
-              </a:rPr>
-              <a:t>https://webref.ru/css/selector/attr</a:t>
-            </a:r>
-            <a:endParaRPr lang="ru-RU" sz="2800" b="1" dirty="0"/>
-          </a:p>
-        </p:txBody>
-      </p:sp>
       <p:pic>
         <p:nvPicPr>
           <p:cNvPr id="2" name="Рисунок 1"/>
@@ -8383,7 +8319,7 @@
           <p:nvPr/>
         </p:nvPicPr>
         <p:blipFill>
-          <a:blip r:embed="rId3"/>
+          <a:blip r:embed="rId2"/>
           <a:stretch>
             <a:fillRect/>
           </a:stretch>
@@ -8398,6 +8334,45 @@
           </a:prstGeom>
         </p:spPr>
       </p:pic>
+      <p:sp>
+        <p:nvSpPr>
+          <p:cNvPr id="7" name="TextBox 6">
+            <a:extLst>
+              <a:ext uri="{FF2B5EF4-FFF2-40B4-BE49-F238E27FC236}">
+                <a16:creationId xmlns:a16="http://schemas.microsoft.com/office/drawing/2014/main" id="{1409725E-BA1B-CD9F-BA9C-C152B09BFCF6}"/>
+              </a:ext>
+            </a:extLst>
+          </p:cNvPr>
+          <p:cNvSpPr txBox="1"/>
+          <p:nvPr/>
+        </p:nvSpPr>
+        <p:spPr>
+          <a:xfrm>
+            <a:off x="2415923" y="5461149"/>
+            <a:ext cx="7870316" cy="369332"/>
+          </a:xfrm>
+          <a:prstGeom prst="rect">
+            <a:avLst/>
+          </a:prstGeom>
+          <a:noFill/>
+        </p:spPr>
+        <p:txBody>
+          <a:bodyPr wrap="square">
+            <a:spAutoFit/>
+          </a:bodyPr>
+          <a:lstStyle/>
+          <a:p>
+            <a:pPr algn="ctr"/>
+            <a:r>
+              <a:rPr lang="uk-UA" b="1" dirty="0">
+                <a:hlinkClick r:id="rId3"/>
+              </a:rPr>
+              <a:t>https://developer.mozilla.org/ru/docs/Web/CSS/Attribute_selectors</a:t>
+            </a:r>
+            <a:endParaRPr lang="uk-UA" b="1" dirty="0"/>
+          </a:p>
+        </p:txBody>
+      </p:sp>
     </p:spTree>
     <p:extLst>
       <p:ext uri="{BB962C8B-B14F-4D97-AF65-F5344CB8AC3E}">
